--- a/images/slide_logos_2_copy.pptx
+++ b/images/slide_logos_2_copy.pptx
@@ -6,6 +6,7 @@
   </p:sldMasterIdLst>
   <p:sldIdLst>
     <p:sldId id="286" r:id="rId2"/>
+    <p:sldId id="287" r:id="rId3"/>
   </p:sldIdLst>
   <p:sldSz cx="12192000" cy="6858000"/>
   <p:notesSz cx="6858000" cy="9144000"/>
@@ -3445,6 +3446,210 @@
 </p:sld>
 </file>
 
+<file path=ppt/slides/slide2.xml><?xml version="1.0" encoding="utf-8"?>
+<p:sld xmlns:a="http://schemas.openxmlformats.org/drawingml/2006/main" xmlns:r="http://schemas.openxmlformats.org/officeDocument/2006/relationships" xmlns:p="http://schemas.openxmlformats.org/presentationml/2006/main">
+  <p:cSld>
+    <p:bg>
+      <p:bgPr>
+        <a:solidFill>
+          <a:srgbClr val="3D5A80"/>
+        </a:solidFill>
+        <a:effectLst/>
+      </p:bgPr>
+    </p:bg>
+    <p:spTree>
+      <p:nvGrpSpPr>
+        <p:cNvPr id="1" name=""/>
+        <p:cNvGrpSpPr/>
+        <p:nvPr/>
+      </p:nvGrpSpPr>
+      <p:grpSpPr>
+        <a:xfrm>
+          <a:off x="0" y="0"/>
+          <a:ext cx="0" cy="0"/>
+          <a:chOff x="0" y="0"/>
+          <a:chExt cx="0" cy="0"/>
+        </a:xfrm>
+      </p:grpSpPr>
+      <p:sp>
+        <p:nvSpPr>
+          <p:cNvPr id="6" name="TextBox 5">
+            <a:extLst>
+              <a:ext uri="{FF2B5EF4-FFF2-40B4-BE49-F238E27FC236}">
+                <a16:creationId xmlns:a16="http://schemas.microsoft.com/office/drawing/2014/main" id="{5118374F-21C6-4B4B-BF52-00DB6D9A0BA7}"/>
+              </a:ext>
+            </a:extLst>
+          </p:cNvPr>
+          <p:cNvSpPr txBox="1"/>
+          <p:nvPr/>
+        </p:nvSpPr>
+        <p:spPr>
+          <a:xfrm>
+            <a:off x="1863114" y="460762"/>
+            <a:ext cx="9479560" cy="2585323"/>
+          </a:xfrm>
+          <a:prstGeom prst="rect">
+            <a:avLst/>
+          </a:prstGeom>
+          <a:noFill/>
+        </p:spPr>
+        <p:txBody>
+          <a:bodyPr wrap="square" rtlCol="0">
+            <a:spAutoFit/>
+          </a:bodyPr>
+          <a:lstStyle/>
+          <a:p>
+            <a:r>
+              <a:rPr lang="en-PH" sz="5400" b="1" dirty="0">
+                <a:solidFill>
+                  <a:schemeClr val="bg1"/>
+                </a:solidFill>
+              </a:rPr>
+              <a:t>Training Workshop on </a:t>
+            </a:r>
+          </a:p>
+          <a:p>
+            <a:r>
+              <a:rPr lang="en-PH" sz="5400" b="1" dirty="0">
+                <a:solidFill>
+                  <a:schemeClr val="bg1"/>
+                </a:solidFill>
+              </a:rPr>
+              <a:t>Structural Equation Modelling (SEM) using R.</a:t>
+            </a:r>
+            <a:endParaRPr lang="en-GB" sz="5400" b="1" dirty="0">
+              <a:solidFill>
+                <a:schemeClr val="bg1"/>
+              </a:solidFill>
+            </a:endParaRPr>
+          </a:p>
+        </p:txBody>
+      </p:sp>
+      <p:pic>
+        <p:nvPicPr>
+          <p:cNvPr id="4" name="Picture 3">
+            <a:extLst>
+              <a:ext uri="{FF2B5EF4-FFF2-40B4-BE49-F238E27FC236}">
+                <a16:creationId xmlns:a16="http://schemas.microsoft.com/office/drawing/2014/main" id="{73CB61BF-1EAE-4BBA-84A5-F29CFCB66FC0}"/>
+              </a:ext>
+            </a:extLst>
+          </p:cNvPr>
+          <p:cNvPicPr>
+            <a:picLocks noChangeAspect="1"/>
+          </p:cNvPicPr>
+          <p:nvPr/>
+        </p:nvPicPr>
+        <p:blipFill>
+          <a:blip r:embed="rId2">
+            <a:lum bright="70000" contrast="-70000"/>
+            <a:alphaModFix amt="19000"/>
+            <a:extLst>
+              <a:ext uri="{BEBA8EAE-BF5A-486C-A8C5-ECC9F3942E4B}">
+                <a14:imgProps xmlns:a14="http://schemas.microsoft.com/office/drawing/2010/main">
+                  <a14:imgLayer r:embed="rId3">
+                    <a14:imgEffect>
+                      <a14:colorTemperature colorTemp="1500"/>
+                    </a14:imgEffect>
+                    <a14:imgEffect>
+                      <a14:saturation sat="48000"/>
+                    </a14:imgEffect>
+                  </a14:imgLayer>
+                </a14:imgProps>
+              </a:ext>
+            </a:extLst>
+          </a:blip>
+          <a:stretch>
+            <a:fillRect/>
+          </a:stretch>
+        </p:blipFill>
+        <p:spPr>
+          <a:xfrm>
+            <a:off x="296059" y="3217815"/>
+            <a:ext cx="3134111" cy="3179423"/>
+          </a:xfrm>
+          <a:prstGeom prst="rect">
+            <a:avLst/>
+          </a:prstGeom>
+        </p:spPr>
+      </p:pic>
+      <p:pic>
+        <p:nvPicPr>
+          <p:cNvPr id="7" name="Picture 6">
+            <a:extLst>
+              <a:ext uri="{FF2B5EF4-FFF2-40B4-BE49-F238E27FC236}">
+                <a16:creationId xmlns:a16="http://schemas.microsoft.com/office/drawing/2014/main" id="{77AC2EDB-96FF-40AC-A542-2A697C66CBB9}"/>
+              </a:ext>
+            </a:extLst>
+          </p:cNvPr>
+          <p:cNvPicPr>
+            <a:picLocks noChangeAspect="1"/>
+          </p:cNvPicPr>
+          <p:nvPr/>
+        </p:nvPicPr>
+        <p:blipFill>
+          <a:blip r:embed="rId4">
+            <a:alphaModFix amt="19000"/>
+            <a:lum bright="70000" contrast="-70000"/>
+          </a:blip>
+          <a:stretch>
+            <a:fillRect/>
+          </a:stretch>
+        </p:blipFill>
+        <p:spPr>
+          <a:xfrm rot="5400000">
+            <a:off x="8240870" y="3106378"/>
+            <a:ext cx="4176029" cy="3134110"/>
+          </a:xfrm>
+          <a:prstGeom prst="rect">
+            <a:avLst/>
+          </a:prstGeom>
+        </p:spPr>
+      </p:pic>
+      <p:pic>
+        <p:nvPicPr>
+          <p:cNvPr id="8" name="Picture 7">
+            <a:extLst>
+              <a:ext uri="{FF2B5EF4-FFF2-40B4-BE49-F238E27FC236}">
+                <a16:creationId xmlns:a16="http://schemas.microsoft.com/office/drawing/2014/main" id="{9E04EE0A-DC37-4300-8AC7-EEE9E9046F9C}"/>
+              </a:ext>
+            </a:extLst>
+          </p:cNvPr>
+          <p:cNvPicPr>
+            <a:picLocks noChangeAspect="1"/>
+          </p:cNvPicPr>
+          <p:nvPr/>
+        </p:nvPicPr>
+        <p:blipFill>
+          <a:blip r:embed="rId5">
+            <a:alphaModFix amt="74000"/>
+          </a:blip>
+          <a:stretch>
+            <a:fillRect/>
+          </a:stretch>
+        </p:blipFill>
+        <p:spPr>
+          <a:xfrm>
+            <a:off x="4934343" y="3557210"/>
+            <a:ext cx="2530296" cy="2933042"/>
+          </a:xfrm>
+          <a:prstGeom prst="rect">
+            <a:avLst/>
+          </a:prstGeom>
+        </p:spPr>
+      </p:pic>
+    </p:spTree>
+    <p:extLst>
+      <p:ext uri="{BB962C8B-B14F-4D97-AF65-F5344CB8AC3E}">
+        <p14:creationId xmlns:p14="http://schemas.microsoft.com/office/powerpoint/2010/main" val="2563142991"/>
+      </p:ext>
+    </p:extLst>
+  </p:cSld>
+  <p:clrMapOvr>
+    <a:masterClrMapping/>
+  </p:clrMapOvr>
+</p:sld>
+</file>
+
 <file path=ppt/theme/theme1.xml><?xml version="1.0" encoding="utf-8"?>
 <a:theme xmlns:a="http://schemas.openxmlformats.org/drawingml/2006/main" name="Office Theme">
   <a:themeElements>
